--- a/Presentation.pptx
+++ b/Presentation.pptx
@@ -5,7 +5,7 @@
     <p:sldMasterId id="2147484236" r:id="rId1"/>
   </p:sldMasterIdLst>
   <p:notesMasterIdLst>
-    <p:notesMasterId r:id="rId12"/>
+    <p:notesMasterId r:id="rId11"/>
   </p:notesMasterIdLst>
   <p:sldIdLst>
     <p:sldId id="256" r:id="rId2"/>
@@ -15,9 +15,8 @@
     <p:sldId id="261" r:id="rId6"/>
     <p:sldId id="260" r:id="rId7"/>
     <p:sldId id="262" r:id="rId8"/>
-    <p:sldId id="263" r:id="rId9"/>
-    <p:sldId id="264" r:id="rId10"/>
-    <p:sldId id="265" r:id="rId11"/>
+    <p:sldId id="264" r:id="rId9"/>
+    <p:sldId id="265" r:id="rId10"/>
   </p:sldIdLst>
   <p:sldSz cx="12192000" cy="6858000"/>
   <p:notesSz cx="6858000" cy="9144000"/>
@@ -3129,11 +3128,89 @@
           </a:p>
         </p:txBody>
       </p:sp>
+      <p:sp>
+        <p:nvSpPr>
+          <p:cNvPr id="9" name="AutoShape 2" descr="mage result for accenture blockchain hackathon"/>
+          <p:cNvSpPr>
+            <a:spLocks noChangeAspect="1" noChangeArrowheads="1"/>
+          </p:cNvSpPr>
+          <p:nvPr userDrawn="1"/>
+        </p:nvSpPr>
+        <p:spPr bwMode="auto">
+          <a:xfrm>
+            <a:off x="0" y="0"/>
+            <a:ext cx="304800" cy="304800"/>
+          </a:xfrm>
+          <a:prstGeom prst="rect">
+            <a:avLst/>
+          </a:prstGeom>
+          <a:noFill/>
+          <a:extLst>
+            <a:ext uri="{909E8E84-426E-40DD-AFC4-6F175D3DCCD1}">
+              <a14:hiddenFill xmlns:a14="http://schemas.microsoft.com/office/drawing/2010/main">
+                <a:solidFill>
+                  <a:srgbClr val="FFFFFF"/>
+                </a:solidFill>
+              </a14:hiddenFill>
+            </a:ext>
+          </a:extLst>
+        </p:spPr>
+        <p:txBody>
+          <a:bodyPr vert="horz" wrap="square" lIns="91440" tIns="45720" rIns="91440" bIns="45720" numCol="1" anchor="t" anchorCtr="0" compatLnSpc="1">
+            <a:prstTxWarp prst="textNoShape">
+              <a:avLst/>
+            </a:prstTxWarp>
+          </a:bodyPr>
+          <a:lstStyle/>
+          <a:p>
+            <a:endParaRPr lang="en-US"/>
+          </a:p>
+        </p:txBody>
+      </p:sp>
+      <p:sp>
+        <p:nvSpPr>
+          <p:cNvPr id="10" name="AutoShape 4" descr="mage result for accenture blockchain hackathon"/>
+          <p:cNvSpPr>
+            <a:spLocks noChangeAspect="1" noChangeArrowheads="1"/>
+          </p:cNvSpPr>
+          <p:nvPr userDrawn="1"/>
+        </p:nvSpPr>
+        <p:spPr bwMode="auto">
+          <a:xfrm>
+            <a:off x="152400" y="152400"/>
+            <a:ext cx="304800" cy="304800"/>
+          </a:xfrm>
+          <a:prstGeom prst="rect">
+            <a:avLst/>
+          </a:prstGeom>
+          <a:noFill/>
+          <a:extLst>
+            <a:ext uri="{909E8E84-426E-40DD-AFC4-6F175D3DCCD1}">
+              <a14:hiddenFill xmlns:a14="http://schemas.microsoft.com/office/drawing/2010/main">
+                <a:solidFill>
+                  <a:srgbClr val="FFFFFF"/>
+                </a:solidFill>
+              </a14:hiddenFill>
+            </a:ext>
+          </a:extLst>
+        </p:spPr>
+        <p:txBody>
+          <a:bodyPr vert="horz" wrap="square" lIns="91440" tIns="45720" rIns="91440" bIns="45720" numCol="1" anchor="t" anchorCtr="0" compatLnSpc="1">
+            <a:prstTxWarp prst="textNoShape">
+              <a:avLst/>
+            </a:prstTxWarp>
+          </a:bodyPr>
+          <a:lstStyle/>
+          <a:p>
+            <a:endParaRPr lang="en-US"/>
+          </a:p>
+        </p:txBody>
+      </p:sp>
       <p:pic>
         <p:nvPicPr>
-          <p:cNvPr id="7" name="Picture 2" descr="https://lh3.googleusercontent.com/kRvD_Rspzwz4Jx0nq5uBbs9ISbedXZPA9zw4gGnFvrdgqr2-GjPWiZG28yJcsMSmRAf8Mgta84OFz-fQeJd80aK2XZkEnK70HUqIhPRrKeKCInVPkrAq0bXqsNBrTMRgzoyf3i4rFu4"/>
+          <p:cNvPr id="12" name="Picture 11"/>
           <p:cNvPicPr>
-            <a:picLocks noChangeAspect="1" noChangeArrowheads="1"/>
+            <a:picLocks noChangeAspect="1"/>
           </p:cNvPicPr>
           <p:nvPr userDrawn="1"/>
         </p:nvPicPr>
@@ -3145,29 +3222,18 @@
               </a:ext>
             </a:extLst>
           </a:blip>
-          <a:srcRect/>
           <a:stretch>
             <a:fillRect/>
           </a:stretch>
         </p:blipFill>
-        <p:spPr bwMode="auto">
+        <p:spPr>
           <a:xfrm>
-            <a:off x="9568543" y="1"/>
-            <a:ext cx="2485797" cy="1135698"/>
+            <a:off x="10497671" y="0"/>
+            <a:ext cx="1694329" cy="841734"/>
           </a:xfrm>
           <a:prstGeom prst="rect">
             <a:avLst/>
           </a:prstGeom>
-          <a:noFill/>
-          <a:extLst>
-            <a:ext uri="{909E8E84-426E-40DD-AFC4-6F175D3DCCD1}">
-              <a14:hiddenFill xmlns:a14="http://schemas.microsoft.com/office/drawing/2010/main">
-                <a:solidFill>
-                  <a:srgbClr val="FFFFFF"/>
-                </a:solidFill>
-              </a14:hiddenFill>
-            </a:ext>
-          </a:extLst>
         </p:spPr>
       </p:pic>
     </p:spTree>
@@ -5666,89 +5732,6 @@
 </p:sld>
 </file>
 
-<file path=ppt/slides/slide10.xml><?xml version="1.0" encoding="utf-8"?>
-<p:sld xmlns:a="http://schemas.openxmlformats.org/drawingml/2006/main" xmlns:r="http://schemas.openxmlformats.org/officeDocument/2006/relationships" xmlns:p="http://schemas.openxmlformats.org/presentationml/2006/main">
-  <p:cSld>
-    <p:spTree>
-      <p:nvGrpSpPr>
-        <p:cNvPr id="1" name=""/>
-        <p:cNvGrpSpPr/>
-        <p:nvPr/>
-      </p:nvGrpSpPr>
-      <p:grpSpPr>
-        <a:xfrm>
-          <a:off x="0" y="0"/>
-          <a:ext cx="0" cy="0"/>
-          <a:chOff x="0" y="0"/>
-          <a:chExt cx="0" cy="0"/>
-        </a:xfrm>
-      </p:grpSpPr>
-      <p:sp>
-        <p:nvSpPr>
-          <p:cNvPr id="2" name="Title 1"/>
-          <p:cNvSpPr>
-            <a:spLocks noGrp="1"/>
-          </p:cNvSpPr>
-          <p:nvPr>
-            <p:ph type="title"/>
-          </p:nvPr>
-        </p:nvSpPr>
-        <p:spPr/>
-        <p:txBody>
-          <a:bodyPr/>
-          <a:lstStyle/>
-          <a:p>
-            <a:r>
-              <a:rPr lang="en-US" dirty="0" smtClean="0"/>
-              <a:t>Conclusion</a:t>
-            </a:r>
-            <a:endParaRPr lang="en-US" dirty="0"/>
-          </a:p>
-        </p:txBody>
-      </p:sp>
-      <p:sp>
-        <p:nvSpPr>
-          <p:cNvPr id="3" name="Content Placeholder 2"/>
-          <p:cNvSpPr>
-            <a:spLocks noGrp="1"/>
-          </p:cNvSpPr>
-          <p:nvPr>
-            <p:ph idx="1"/>
-          </p:nvPr>
-        </p:nvSpPr>
-        <p:spPr/>
-        <p:txBody>
-          <a:bodyPr/>
-          <a:lstStyle/>
-          <a:p>
-            <a:r>
-              <a:rPr lang="en-US" dirty="0" smtClean="0"/>
-              <a:t>Questions Please!</a:t>
-            </a:r>
-            <a:endParaRPr lang="en-US" dirty="0"/>
-          </a:p>
-        </p:txBody>
-      </p:sp>
-    </p:spTree>
-    <p:extLst>
-      <p:ext uri="{BB962C8B-B14F-4D97-AF65-F5344CB8AC3E}">
-        <p14:creationId xmlns:p14="http://schemas.microsoft.com/office/powerpoint/2010/main" val="166504657"/>
-      </p:ext>
-    </p:extLst>
-  </p:cSld>
-  <p:clrMapOvr>
-    <a:masterClrMapping/>
-  </p:clrMapOvr>
-  <p:timing>
-    <p:tnLst>
-      <p:par>
-        <p:cTn id="1" dur="indefinite" restart="never" nodeType="tmRoot"/>
-      </p:par>
-    </p:tnLst>
-  </p:timing>
-</p:sld>
-</file>
-
 <file path=ppt/slides/slide2.xml><?xml version="1.0" encoding="utf-8"?>
 <p:sld xmlns:a="http://schemas.openxmlformats.org/drawingml/2006/main" xmlns:r="http://schemas.openxmlformats.org/officeDocument/2006/relationships" xmlns:p="http://schemas.openxmlformats.org/presentationml/2006/main">
   <p:cSld>
@@ -6317,6 +6300,18 @@
               <a:rPr lang="en-US" dirty="0" smtClean="0"/>
               <a:t>As a consumer, I want more autonomy over the prices I am paying for energy and quantity I am receiving for energy</a:t>
             </a:r>
+          </a:p>
+          <a:p>
+            <a:endParaRPr lang="en-US" dirty="0" smtClean="0"/>
+          </a:p>
+          <a:p>
+            <a:r>
+              <a:rPr lang="en-US" dirty="0" smtClean="0"/>
+              <a:t>Solution: Peer-2-Peer energy trading platform meeting the user’s requirements</a:t>
+            </a:r>
+            <a:endParaRPr lang="en-US" dirty="0"/>
+          </a:p>
+          <a:p>
             <a:endParaRPr lang="en-US" dirty="0"/>
           </a:p>
         </p:txBody>
@@ -6344,8 +6339,8 @@
         </p:blipFill>
         <p:spPr bwMode="auto">
           <a:xfrm>
-            <a:off x="4528044" y="4302277"/>
-            <a:ext cx="2409372" cy="2409372"/>
+            <a:off x="5684739" y="4823011"/>
+            <a:ext cx="1754899" cy="1754899"/>
           </a:xfrm>
           <a:prstGeom prst="rect">
             <a:avLst/>
@@ -6370,8 +6365,8 @@
         </p:nvCxnSpPr>
         <p:spPr>
           <a:xfrm>
-            <a:off x="4653644" y="4405391"/>
-            <a:ext cx="2122714" cy="2052258"/>
+            <a:off x="5684739" y="4865463"/>
+            <a:ext cx="1754899" cy="1712447"/>
           </a:xfrm>
           <a:prstGeom prst="line">
             <a:avLst/>
@@ -6407,8 +6402,8 @@
         </p:nvCxnSpPr>
         <p:spPr>
           <a:xfrm flipH="1">
-            <a:off x="4653645" y="4405391"/>
-            <a:ext cx="2122713" cy="2052258"/>
+            <a:off x="5684740" y="5016308"/>
+            <a:ext cx="1754898" cy="1474332"/>
           </a:xfrm>
           <a:prstGeom prst="line">
             <a:avLst/>
@@ -7307,14 +7302,19 @@
             <p:ph type="title"/>
           </p:nvPr>
         </p:nvSpPr>
-        <p:spPr/>
+        <p:spPr>
+          <a:xfrm>
+            <a:off x="672569" y="0"/>
+            <a:ext cx="10085078" cy="1507067"/>
+          </a:xfrm>
+        </p:spPr>
         <p:txBody>
           <a:bodyPr/>
           <a:lstStyle/>
           <a:p>
             <a:r>
               <a:rPr lang="en-US" dirty="0" smtClean="0"/>
-              <a:t>Prototype – Heat map</a:t>
+              <a:t>Prototype – Heat map and Smart Contract</a:t>
             </a:r>
             <a:endParaRPr lang="en-US" dirty="0"/>
           </a:p>
@@ -7393,15 +7393,56 @@
           <a:p>
             <a:r>
               <a:rPr lang="en-US" dirty="0" smtClean="0"/>
-              <a:t>Prototype – Smart Contract Demo</a:t>
+              <a:t>Business Viability</a:t>
             </a:r>
             <a:endParaRPr lang="en-US" dirty="0"/>
           </a:p>
         </p:txBody>
       </p:sp>
-      <p:sp>
-        <p:nvSpPr>
-          <p:cNvPr id="3" name="Content Placeholder 2"/>
+      <p:pic>
+        <p:nvPicPr>
+          <p:cNvPr id="32772" name="Picture 4" descr="mage result for power ledger transparent"/>
+          <p:cNvPicPr>
+            <a:picLocks noChangeAspect="1" noChangeArrowheads="1"/>
+          </p:cNvPicPr>
+          <p:nvPr/>
+        </p:nvPicPr>
+        <p:blipFill>
+          <a:blip r:embed="rId2">
+            <a:extLst>
+              <a:ext uri="{28A0092B-C50C-407E-A947-70E740481C1C}">
+                <a14:useLocalDpi xmlns:a14="http://schemas.microsoft.com/office/drawing/2010/main" val="0"/>
+              </a:ext>
+            </a:extLst>
+          </a:blip>
+          <a:srcRect/>
+          <a:stretch>
+            <a:fillRect/>
+          </a:stretch>
+        </p:blipFill>
+        <p:spPr bwMode="auto">
+          <a:xfrm>
+            <a:off x="2832846" y="1691236"/>
+            <a:ext cx="3818965" cy="763793"/>
+          </a:xfrm>
+          <a:prstGeom prst="rect">
+            <a:avLst/>
+          </a:prstGeom>
+          <a:noFill/>
+          <a:extLst>
+            <a:ext uri="{909E8E84-426E-40DD-AFC4-6F175D3DCCD1}">
+              <a14:hiddenFill xmlns:a14="http://schemas.microsoft.com/office/drawing/2010/main">
+                <a:solidFill>
+                  <a:srgbClr val="FFFFFF"/>
+                </a:solidFill>
+              </a14:hiddenFill>
+            </a:ext>
+          </a:extLst>
+        </p:spPr>
+      </p:pic>
+      <p:sp>
+        <p:nvSpPr>
+          <p:cNvPr id="7" name="Content Placeholder 2"/>
           <p:cNvSpPr>
             <a:spLocks noGrp="1"/>
           </p:cNvSpPr>
@@ -7409,19 +7450,158 @@
             <p:ph idx="1"/>
           </p:nvPr>
         </p:nvSpPr>
-        <p:spPr/>
-        <p:txBody>
-          <a:bodyPr/>
-          <a:lstStyle/>
-          <a:p>
-            <a:endParaRPr lang="en-US"/>
+        <p:spPr>
+          <a:xfrm>
+            <a:off x="623583" y="1891696"/>
+            <a:ext cx="8534400" cy="4293951"/>
+          </a:xfrm>
+        </p:spPr>
+        <p:txBody>
+          <a:bodyPr anchor="t"/>
+          <a:lstStyle/>
+          <a:p>
+            <a:r>
+              <a:rPr lang="en-US" dirty="0" smtClean="0"/>
+              <a:t>Competition - </a:t>
+            </a:r>
+          </a:p>
+          <a:p>
+            <a:pPr lvl="1"/>
+            <a:r>
+              <a:rPr lang="en-US" sz="1600" dirty="0" smtClean="0">
+                <a:solidFill>
+                  <a:schemeClr val="tx1"/>
+                </a:solidFill>
+              </a:rPr>
+              <a:t>Implementation requires two different cryptocurrency tokens (POWR and Sparks)</a:t>
+            </a:r>
+          </a:p>
+          <a:p>
+            <a:pPr lvl="1"/>
+            <a:r>
+              <a:rPr lang="en-US" sz="1600" dirty="0" smtClean="0">
+                <a:solidFill>
+                  <a:schemeClr val="tx1"/>
+                </a:solidFill>
+              </a:rPr>
+              <a:t>White paper and demonstrations are heavily focused on PV panels on rooftop</a:t>
+            </a:r>
+          </a:p>
+          <a:p>
+            <a:r>
+              <a:rPr lang="en-US" dirty="0" smtClean="0"/>
+              <a:t>Viability</a:t>
+            </a:r>
+          </a:p>
+          <a:p>
+            <a:pPr lvl="1"/>
+            <a:r>
+              <a:rPr lang="en-US" sz="1600" dirty="0" smtClean="0">
+                <a:solidFill>
+                  <a:schemeClr val="tx1"/>
+                </a:solidFill>
+              </a:rPr>
+              <a:t>Strong growth in renewables</a:t>
+            </a:r>
+          </a:p>
+          <a:p>
+            <a:pPr lvl="1"/>
+            <a:r>
+              <a:rPr lang="en-US" sz="1600" dirty="0" smtClean="0">
+                <a:solidFill>
+                  <a:schemeClr val="tx1"/>
+                </a:solidFill>
+              </a:rPr>
+              <a:t>2019 Australian Budget - $50 million investment in microgrids for rural areas</a:t>
+            </a:r>
+          </a:p>
+          <a:p>
+            <a:r>
+              <a:rPr lang="en-US" dirty="0" smtClean="0">
+                <a:solidFill>
+                  <a:schemeClr val="tx1"/>
+                </a:solidFill>
+              </a:rPr>
+              <a:t>Monetary Value</a:t>
+            </a:r>
+          </a:p>
+          <a:p>
+            <a:pPr lvl="1"/>
+            <a:r>
+              <a:rPr lang="en-US" sz="1600" dirty="0" smtClean="0">
+                <a:solidFill>
+                  <a:schemeClr val="tx1"/>
+                </a:solidFill>
+              </a:rPr>
+              <a:t>Attract prosumers through lower supply-side costs</a:t>
+            </a:r>
+            <a:endParaRPr lang="en-US" sz="1600" dirty="0">
+              <a:solidFill>
+                <a:schemeClr val="tx1"/>
+              </a:solidFill>
+            </a:endParaRPr>
+          </a:p>
+          <a:p>
+            <a:pPr lvl="1"/>
+            <a:endParaRPr lang="en-US" dirty="0" smtClean="0">
+              <a:solidFill>
+                <a:schemeClr val="tx1"/>
+              </a:solidFill>
+            </a:endParaRPr>
+          </a:p>
+          <a:p>
+            <a:pPr lvl="1"/>
+            <a:endParaRPr lang="en-US" dirty="0">
+              <a:solidFill>
+                <a:schemeClr val="tx1"/>
+              </a:solidFill>
+            </a:endParaRPr>
+          </a:p>
+          <a:p>
+            <a:pPr lvl="1"/>
+            <a:endParaRPr lang="en-US" dirty="0" smtClean="0">
+              <a:solidFill>
+                <a:schemeClr val="tx1"/>
+              </a:solidFill>
+            </a:endParaRPr>
+          </a:p>
+          <a:p>
+            <a:pPr lvl="1"/>
+            <a:endParaRPr lang="en-US" dirty="0" smtClean="0">
+              <a:solidFill>
+                <a:schemeClr val="tx1"/>
+              </a:solidFill>
+            </a:endParaRPr>
+          </a:p>
+          <a:p>
+            <a:endParaRPr lang="en-US" dirty="0" smtClean="0">
+              <a:solidFill>
+                <a:schemeClr val="tx1"/>
+              </a:solidFill>
+            </a:endParaRPr>
+          </a:p>
+          <a:p>
+            <a:pPr lvl="1"/>
+            <a:endParaRPr lang="en-US" sz="1600" dirty="0" smtClean="0">
+              <a:solidFill>
+                <a:schemeClr val="tx1"/>
+              </a:solidFill>
+            </a:endParaRPr>
+          </a:p>
+          <a:p>
+            <a:pPr lvl="1"/>
+            <a:endParaRPr lang="en-US" dirty="0" smtClean="0">
+              <a:solidFill>
+                <a:schemeClr val="tx1"/>
+              </a:solidFill>
+            </a:endParaRPr>
           </a:p>
         </p:txBody>
       </p:sp>
     </p:spTree>
     <p:extLst>
       <p:ext uri="{BB962C8B-B14F-4D97-AF65-F5344CB8AC3E}">
-        <p14:creationId xmlns:p14="http://schemas.microsoft.com/office/powerpoint/2010/main" val="6261063"/>
+        <p14:creationId xmlns:p14="http://schemas.microsoft.com/office/powerpoint/2010/main" val="1808615449"/>
       </p:ext>
     </p:extLst>
   </p:cSld>
@@ -7472,56 +7652,15 @@
           <a:p>
             <a:r>
               <a:rPr lang="en-US" dirty="0" smtClean="0"/>
-              <a:t>Business Viability</a:t>
+              <a:t>Conclusion</a:t>
             </a:r>
             <a:endParaRPr lang="en-US" dirty="0"/>
           </a:p>
         </p:txBody>
       </p:sp>
-      <p:pic>
-        <p:nvPicPr>
-          <p:cNvPr id="32772" name="Picture 4" descr="mage result for power ledger transparent"/>
-          <p:cNvPicPr>
-            <a:picLocks noChangeAspect="1" noChangeArrowheads="1"/>
-          </p:cNvPicPr>
-          <p:nvPr/>
-        </p:nvPicPr>
-        <p:blipFill>
-          <a:blip r:embed="rId2">
-            <a:extLst>
-              <a:ext uri="{28A0092B-C50C-407E-A947-70E740481C1C}">
-                <a14:useLocalDpi xmlns:a14="http://schemas.microsoft.com/office/drawing/2010/main" val="0"/>
-              </a:ext>
-            </a:extLst>
-          </a:blip>
-          <a:srcRect/>
-          <a:stretch>
-            <a:fillRect/>
-          </a:stretch>
-        </p:blipFill>
-        <p:spPr bwMode="auto">
-          <a:xfrm>
-            <a:off x="2832846" y="1691236"/>
-            <a:ext cx="3818965" cy="763793"/>
-          </a:xfrm>
-          <a:prstGeom prst="rect">
-            <a:avLst/>
-          </a:prstGeom>
-          <a:noFill/>
-          <a:extLst>
-            <a:ext uri="{909E8E84-426E-40DD-AFC4-6F175D3DCCD1}">
-              <a14:hiddenFill xmlns:a14="http://schemas.microsoft.com/office/drawing/2010/main">
-                <a:solidFill>
-                  <a:srgbClr val="FFFFFF"/>
-                </a:solidFill>
-              </a14:hiddenFill>
-            </a:ext>
-          </a:extLst>
-        </p:spPr>
-      </p:pic>
-      <p:sp>
-        <p:nvSpPr>
-          <p:cNvPr id="7" name="Content Placeholder 2"/>
+      <p:sp>
+        <p:nvSpPr>
+          <p:cNvPr id="3" name="Content Placeholder 2"/>
           <p:cNvSpPr>
             <a:spLocks noGrp="1"/>
           </p:cNvSpPr>
@@ -7529,158 +7668,23 @@
             <p:ph idx="1"/>
           </p:nvPr>
         </p:nvSpPr>
-        <p:spPr>
-          <a:xfrm>
-            <a:off x="623583" y="1891696"/>
-            <a:ext cx="8534400" cy="4293951"/>
-          </a:xfrm>
-        </p:spPr>
-        <p:txBody>
-          <a:bodyPr anchor="t"/>
+        <p:spPr/>
+        <p:txBody>
+          <a:bodyPr/>
           <a:lstStyle/>
           <a:p>
             <a:r>
               <a:rPr lang="en-US" dirty="0" smtClean="0"/>
-              <a:t>Competition - </a:t>
-            </a:r>
-          </a:p>
-          <a:p>
-            <a:pPr lvl="1"/>
-            <a:r>
-              <a:rPr lang="en-US" sz="1600" dirty="0" smtClean="0">
-                <a:solidFill>
-                  <a:schemeClr val="tx1"/>
-                </a:solidFill>
-              </a:rPr>
-              <a:t>Implementation requires two different cryptocurrency tokens (POWR and Sparks)</a:t>
-            </a:r>
-          </a:p>
-          <a:p>
-            <a:pPr lvl="1"/>
-            <a:r>
-              <a:rPr lang="en-US" sz="1600" dirty="0" smtClean="0">
-                <a:solidFill>
-                  <a:schemeClr val="tx1"/>
-                </a:solidFill>
-              </a:rPr>
-              <a:t>White paper and demonstrations are heavily focused on PV panels on rooftop</a:t>
-            </a:r>
-          </a:p>
-          <a:p>
-            <a:r>
-              <a:rPr lang="en-US" dirty="0" smtClean="0"/>
-              <a:t>Viability</a:t>
-            </a:r>
-          </a:p>
-          <a:p>
-            <a:pPr lvl="1"/>
-            <a:r>
-              <a:rPr lang="en-US" sz="1600" dirty="0" smtClean="0">
-                <a:solidFill>
-                  <a:schemeClr val="tx1"/>
-                </a:solidFill>
-              </a:rPr>
-              <a:t>Strong growth in renewables</a:t>
-            </a:r>
-          </a:p>
-          <a:p>
-            <a:pPr lvl="1"/>
-            <a:r>
-              <a:rPr lang="en-US" sz="1600" dirty="0" smtClean="0">
-                <a:solidFill>
-                  <a:schemeClr val="tx1"/>
-                </a:solidFill>
-              </a:rPr>
-              <a:t>2019 Australian Budget - $50 million investment in microgrids for rural areas</a:t>
-            </a:r>
-          </a:p>
-          <a:p>
-            <a:r>
-              <a:rPr lang="en-US" dirty="0" smtClean="0">
-                <a:solidFill>
-                  <a:schemeClr val="tx1"/>
-                </a:solidFill>
-              </a:rPr>
-              <a:t>Monetary Value</a:t>
-            </a:r>
-          </a:p>
-          <a:p>
-            <a:pPr lvl="1"/>
-            <a:r>
-              <a:rPr lang="en-US" sz="1600" dirty="0" smtClean="0">
-                <a:solidFill>
-                  <a:schemeClr val="tx1"/>
-                </a:solidFill>
-              </a:rPr>
-              <a:t>Attract prosumers through lower supply-side costs</a:t>
-            </a:r>
-            <a:endParaRPr lang="en-US" sz="1600" dirty="0">
-              <a:solidFill>
-                <a:schemeClr val="tx1"/>
-              </a:solidFill>
-            </a:endParaRPr>
-          </a:p>
-          <a:p>
-            <a:pPr lvl="1"/>
-            <a:endParaRPr lang="en-US" dirty="0" smtClean="0">
-              <a:solidFill>
-                <a:schemeClr val="tx1"/>
-              </a:solidFill>
-            </a:endParaRPr>
-          </a:p>
-          <a:p>
-            <a:pPr lvl="1"/>
-            <a:endParaRPr lang="en-US" dirty="0">
-              <a:solidFill>
-                <a:schemeClr val="tx1"/>
-              </a:solidFill>
-            </a:endParaRPr>
-          </a:p>
-          <a:p>
-            <a:pPr lvl="1"/>
-            <a:endParaRPr lang="en-US" dirty="0" smtClean="0">
-              <a:solidFill>
-                <a:schemeClr val="tx1"/>
-              </a:solidFill>
-            </a:endParaRPr>
-          </a:p>
-          <a:p>
-            <a:pPr lvl="1"/>
-            <a:endParaRPr lang="en-US" dirty="0" smtClean="0">
-              <a:solidFill>
-                <a:schemeClr val="tx1"/>
-              </a:solidFill>
-            </a:endParaRPr>
-          </a:p>
-          <a:p>
-            <a:endParaRPr lang="en-US" dirty="0" smtClean="0">
-              <a:solidFill>
-                <a:schemeClr val="tx1"/>
-              </a:solidFill>
-            </a:endParaRPr>
-          </a:p>
-          <a:p>
-            <a:pPr lvl="1"/>
-            <a:endParaRPr lang="en-US" sz="1600" dirty="0" smtClean="0">
-              <a:solidFill>
-                <a:schemeClr val="tx1"/>
-              </a:solidFill>
-            </a:endParaRPr>
-          </a:p>
-          <a:p>
-            <a:pPr lvl="1"/>
-            <a:endParaRPr lang="en-US" dirty="0" smtClean="0">
-              <a:solidFill>
-                <a:schemeClr val="tx1"/>
-              </a:solidFill>
-            </a:endParaRPr>
+              <a:t>Questions Please!</a:t>
+            </a:r>
+            <a:endParaRPr lang="en-US" dirty="0"/>
           </a:p>
         </p:txBody>
       </p:sp>
     </p:spTree>
     <p:extLst>
       <p:ext uri="{BB962C8B-B14F-4D97-AF65-F5344CB8AC3E}">
-        <p14:creationId xmlns:p14="http://schemas.microsoft.com/office/powerpoint/2010/main" val="1808615449"/>
+        <p14:creationId xmlns:p14="http://schemas.microsoft.com/office/powerpoint/2010/main" val="166504657"/>
       </p:ext>
     </p:extLst>
   </p:cSld>

--- a/Presentation.pptx
+++ b/Presentation.pptx
@@ -5673,9 +5673,9 @@
       </p:sp>
       <p:pic>
         <p:nvPicPr>
-          <p:cNvPr id="10242" name="Picture 2" descr="https://lh3.googleusercontent.com/kRvD_Rspzwz4Jx0nq5uBbs9ISbedXZPA9zw4gGnFvrdgqr2-GjPWiZG28yJcsMSmRAf8Mgta84OFz-fQeJd80aK2XZkEnK70HUqIhPRrKeKCInVPkrAq0bXqsNBrTMRgzoyf3i4rFu4"/>
+          <p:cNvPr id="9" name="Picture 8"/>
           <p:cNvPicPr>
-            <a:picLocks noChangeAspect="1" noChangeArrowheads="1"/>
+            <a:picLocks noChangeAspect="1"/>
           </p:cNvPicPr>
           <p:nvPr/>
         </p:nvPicPr>
@@ -5687,29 +5687,18 @@
               </a:ext>
             </a:extLst>
           </a:blip>
-          <a:srcRect/>
           <a:stretch>
             <a:fillRect/>
           </a:stretch>
         </p:blipFill>
-        <p:spPr bwMode="auto">
+        <p:spPr>
           <a:xfrm>
-            <a:off x="8343899" y="4954424"/>
-            <a:ext cx="3663042" cy="1673552"/>
+            <a:off x="8685213" y="5115846"/>
+            <a:ext cx="3506788" cy="1742154"/>
           </a:xfrm>
           <a:prstGeom prst="rect">
             <a:avLst/>
           </a:prstGeom>
-          <a:noFill/>
-          <a:extLst>
-            <a:ext uri="{909E8E84-426E-40DD-AFC4-6F175D3DCCD1}">
-              <a14:hiddenFill xmlns:a14="http://schemas.microsoft.com/office/drawing/2010/main">
-                <a:solidFill>
-                  <a:srgbClr val="FFFFFF"/>
-                </a:solidFill>
-              </a14:hiddenFill>
-            </a:ext>
-          </a:extLst>
         </p:spPr>
       </p:pic>
     </p:spTree>
